--- a/slides/06-numbers.pptx
+++ b/slides/06-numbers.pptx
@@ -220,7 +220,7 @@
           <a:p>
             <a:fld id="{3CBB8A52-8AC5-C74C-97FB-632C448F3674}" type="datetimeFigureOut">
               <a:rPr lang="en-US" smtClean="0"/>
-              <a:t>1/22/24</a:t>
+              <a:t>1/29/24</a:t>
             </a:fld>
             <a:endParaRPr lang="en-US"/>
           </a:p>
@@ -1721,7 +1721,7 @@
             <a:fld id="{5586B75A-687E-405C-8A0B-8D00578BA2C3}" type="datetimeFigureOut">
               <a:rPr lang="en-US" smtClean="0"/>
               <a:pPr/>
-              <a:t>1/22/24</a:t>
+              <a:t>1/29/24</a:t>
             </a:fld>
             <a:endParaRPr lang="en-US" dirty="0"/>
           </a:p>
@@ -1893,7 +1893,7 @@
             <a:fld id="{5586B75A-687E-405C-8A0B-8D00578BA2C3}" type="datetimeFigureOut">
               <a:rPr lang="en-US" smtClean="0"/>
               <a:pPr/>
-              <a:t>1/22/24</a:t>
+              <a:t>1/29/24</a:t>
             </a:fld>
             <a:endParaRPr lang="en-US" dirty="0"/>
           </a:p>
@@ -2075,7 +2075,7 @@
             <a:fld id="{5586B75A-687E-405C-8A0B-8D00578BA2C3}" type="datetimeFigureOut">
               <a:rPr lang="en-US" smtClean="0"/>
               <a:pPr/>
-              <a:t>1/22/24</a:t>
+              <a:t>1/29/24</a:t>
             </a:fld>
             <a:endParaRPr lang="en-US" dirty="0"/>
           </a:p>
@@ -2247,7 +2247,7 @@
             <a:fld id="{5586B75A-687E-405C-8A0B-8D00578BA2C3}" type="datetimeFigureOut">
               <a:rPr lang="en-US" smtClean="0"/>
               <a:pPr/>
-              <a:t>1/22/24</a:t>
+              <a:t>1/29/24</a:t>
             </a:fld>
             <a:endParaRPr lang="en-US" dirty="0"/>
           </a:p>
@@ -2503,7 +2503,7 @@
             <a:fld id="{5586B75A-687E-405C-8A0B-8D00578BA2C3}" type="datetimeFigureOut">
               <a:rPr lang="en-US" smtClean="0"/>
               <a:pPr/>
-              <a:t>1/22/24</a:t>
+              <a:t>1/29/24</a:t>
             </a:fld>
             <a:endParaRPr lang="en-US" dirty="0"/>
           </a:p>
@@ -2793,7 +2793,7 @@
             <a:fld id="{5586B75A-687E-405C-8A0B-8D00578BA2C3}" type="datetimeFigureOut">
               <a:rPr lang="en-US" smtClean="0"/>
               <a:pPr/>
-              <a:t>1/22/24</a:t>
+              <a:t>1/29/24</a:t>
             </a:fld>
             <a:endParaRPr lang="en-US" dirty="0"/>
           </a:p>
@@ -3237,7 +3237,7 @@
             <a:fld id="{5586B75A-687E-405C-8A0B-8D00578BA2C3}" type="datetimeFigureOut">
               <a:rPr lang="en-US" smtClean="0"/>
               <a:pPr/>
-              <a:t>1/22/24</a:t>
+              <a:t>1/29/24</a:t>
             </a:fld>
             <a:endParaRPr lang="en-US" dirty="0"/>
           </a:p>
@@ -3357,7 +3357,7 @@
             <a:fld id="{5586B75A-687E-405C-8A0B-8D00578BA2C3}" type="datetimeFigureOut">
               <a:rPr lang="en-US" smtClean="0"/>
               <a:pPr/>
-              <a:t>1/22/24</a:t>
+              <a:t>1/29/24</a:t>
             </a:fld>
             <a:endParaRPr lang="en-US" dirty="0"/>
           </a:p>
@@ -3454,7 +3454,7 @@
             <a:fld id="{5586B75A-687E-405C-8A0B-8D00578BA2C3}" type="datetimeFigureOut">
               <a:rPr lang="en-US" smtClean="0"/>
               <a:pPr/>
-              <a:t>1/22/24</a:t>
+              <a:t>1/29/24</a:t>
             </a:fld>
             <a:endParaRPr lang="en-US" dirty="0"/>
           </a:p>
@@ -3744,7 +3744,7 @@
             <a:fld id="{5586B75A-687E-405C-8A0B-8D00578BA2C3}" type="datetimeFigureOut">
               <a:rPr lang="en-US" smtClean="0"/>
               <a:pPr/>
-              <a:t>1/22/24</a:t>
+              <a:t>1/29/24</a:t>
             </a:fld>
             <a:endParaRPr lang="en-US" dirty="0"/>
           </a:p>
@@ -4019,7 +4019,7 @@
             <a:fld id="{5586B75A-687E-405C-8A0B-8D00578BA2C3}" type="datetimeFigureOut">
               <a:rPr lang="en-US" smtClean="0"/>
               <a:pPr/>
-              <a:t>1/22/24</a:t>
+              <a:t>1/29/24</a:t>
             </a:fld>
             <a:endParaRPr lang="en-US" dirty="0"/>
           </a:p>
@@ -4318,7 +4318,7 @@
             <a:fld id="{5586B75A-687E-405C-8A0B-8D00578BA2C3}" type="datetimeFigureOut">
               <a:rPr lang="en-US" smtClean="0"/>
               <a:pPr/>
-              <a:t>1/22/24</a:t>
+              <a:t>1/29/24</a:t>
             </a:fld>
             <a:endParaRPr lang="en-US" dirty="0"/>
           </a:p>
@@ -5574,7 +5574,7 @@
         <p:spPr/>
         <p:txBody>
           <a:bodyPr anchor="t">
-            <a:normAutofit/>
+            <a:normAutofit lnSpcReduction="10000"/>
           </a:bodyPr>
           <a:lstStyle/>
           <a:p>
@@ -5641,15 +5641,36 @@
                 <a:latin typeface="Arial" panose="020B0604020202020204" pitchFamily="34" charset="0"/>
                 <a:cs typeface="Arial" panose="020B0604020202020204" pitchFamily="34" charset="0"/>
               </a:rPr>
-              <a:t>division: </a:t>
+              <a:t>floor division: </a:t>
             </a:r>
             <a:r>
               <a:rPr lang="en-US" sz="2400" dirty="0">
                 <a:latin typeface="Courier" pitchFamily="2" charset="0"/>
                 <a:cs typeface="Arial" panose="020B0604020202020204" pitchFamily="34" charset="0"/>
               </a:rPr>
+              <a:t>// </a:t>
+            </a:r>
+          </a:p>
+          <a:p>
+            <a:pPr lvl="1"/>
+            <a:r>
+              <a:rPr lang="en-US" sz="2400" dirty="0">
+                <a:latin typeface="Arial" panose="020B0604020202020204" pitchFamily="34" charset="0"/>
+                <a:cs typeface="Arial" panose="020B0604020202020204" pitchFamily="34" charset="0"/>
+              </a:rPr>
+              <a:t>division: </a:t>
+            </a:r>
+            <a:r>
+              <a:rPr lang="en-US" sz="2400" dirty="0">
+                <a:latin typeface="Courier" pitchFamily="2" charset="0"/>
+                <a:cs typeface="Arial" panose="020B0604020202020204" pitchFamily="34" charset="0"/>
+              </a:rPr>
               <a:t>/</a:t>
             </a:r>
+            <a:endParaRPr lang="en-US" sz="2400" dirty="0">
+              <a:latin typeface="Arial" panose="020B0604020202020204" pitchFamily="34" charset="0"/>
+              <a:cs typeface="Arial" panose="020B0604020202020204" pitchFamily="34" charset="0"/>
+            </a:endParaRPr>
           </a:p>
           <a:p>
             <a:pPr lvl="1"/>
@@ -8900,7 +8921,7 @@
           <a:p>
             <a:pPr lvl="1"/>
             <a:r>
-              <a:rPr lang="en-US" sz="2000" b="1" dirty="0">
+              <a:rPr lang="en-US" sz="2000" dirty="0">
                 <a:latin typeface="Arial" panose="020B0604020202020204" pitchFamily="34" charset="0"/>
                 <a:cs typeface="Arial" panose="020B0604020202020204" pitchFamily="34" charset="0"/>
               </a:rPr>
@@ -8910,7 +8931,7 @@
           <a:p>
             <a:pPr lvl="1"/>
             <a:r>
-              <a:rPr lang="en-US" sz="2000" b="1" dirty="0">
+              <a:rPr lang="en-US" sz="2000" dirty="0">
                 <a:latin typeface="Arial" panose="020B0604020202020204" pitchFamily="34" charset="0"/>
                 <a:cs typeface="Arial" panose="020B0604020202020204" pitchFamily="34" charset="0"/>
               </a:rPr>
@@ -8920,7 +8941,7 @@
           <a:p>
             <a:pPr lvl="1"/>
             <a:r>
-              <a:rPr lang="en-US" sz="2000" b="1" dirty="0">
+              <a:rPr lang="en-US" sz="2000" dirty="0">
                 <a:latin typeface="Arial" panose="020B0604020202020204" pitchFamily="34" charset="0"/>
                 <a:cs typeface="Arial" panose="020B0604020202020204" pitchFamily="34" charset="0"/>
               </a:rPr>
@@ -8930,7 +8951,7 @@
           <a:p>
             <a:pPr lvl="1"/>
             <a:r>
-              <a:rPr lang="en-US" sz="2000" b="1" dirty="0">
+              <a:rPr lang="en-US" sz="2000" dirty="0">
                 <a:latin typeface="Arial" panose="020B0604020202020204" pitchFamily="34" charset="0"/>
                 <a:cs typeface="Arial" panose="020B0604020202020204" pitchFamily="34" charset="0"/>
               </a:rPr>
